--- a/outils_numeriques/b3_traitement_1D/B3_0_Deroulement.pptx
+++ b/outils_numeriques/b3_traitement_1D/B3_0_Deroulement.pptx
@@ -6767,8 +6767,16 @@
           <a:lstStyle/>
           <a:p>
             <a:r>
+              <a:rPr lang="fr-FR" sz="2000" b="1" dirty="0">
+                <a:solidFill>
+                  <a:srgbClr val="00B0F0"/>
+                </a:solidFill>
+              </a:rPr>
+              <a:t>Etape 1 </a:t>
+            </a:r>
+            <a:r>
               <a:rPr lang="fr-FR" sz="2000" b="1" dirty="0"/>
-              <a:t>Etape 1 : Afficher des données provenant d’un fichier</a:t>
+              <a:t>: Afficher des données provenant d’un fichier</a:t>
             </a:r>
           </a:p>
           <a:p>
@@ -6787,8 +6795,16 @@
           </a:p>
           <a:p>
             <a:r>
+              <a:rPr lang="fr-FR" sz="2000" b="1" dirty="0">
+                <a:solidFill>
+                  <a:srgbClr val="00B0F0"/>
+                </a:solidFill>
+              </a:rPr>
+              <a:t>Etape 2 </a:t>
+            </a:r>
+            <a:r>
               <a:rPr lang="fr-FR" sz="2000" b="1" dirty="0"/>
-              <a:t>Etape 2 : Calculer, afficher et analyser le spectre du signal</a:t>
+              <a:t>: Calculer, afficher et analyser le spectre du signal</a:t>
             </a:r>
           </a:p>
           <a:p>
@@ -6807,8 +6823,16 @@
           </a:p>
           <a:p>
             <a:r>
+              <a:rPr lang="fr-FR" sz="2000" b="1" dirty="0">
+                <a:solidFill>
+                  <a:srgbClr val="00B0F0"/>
+                </a:solidFill>
+              </a:rPr>
+              <a:t>Etape 3</a:t>
+            </a:r>
+            <a:r>
               <a:rPr lang="fr-FR" sz="2000" b="1" dirty="0"/>
-              <a:t>Etape 3 : Simuler le phénomène de modulation d’amplitude et sa démodulation</a:t>
+              <a:t> : Simuler le phénomène de modulation d’amplitude et sa démodulation</a:t>
             </a:r>
           </a:p>
           <a:p>
@@ -6820,8 +6844,16 @@
           </a:p>
           <a:p>
             <a:r>
+              <a:rPr lang="fr-FR" sz="2000" b="1" dirty="0">
+                <a:solidFill>
+                  <a:srgbClr val="00B0F0"/>
+                </a:solidFill>
+              </a:rPr>
+              <a:t>Etape 4</a:t>
+            </a:r>
+            <a:r>
               <a:rPr lang="fr-FR" sz="2000" b="1" dirty="0"/>
-              <a:t>Etape 4 : Démoduler un signal quelconque</a:t>
+              <a:t> : Démoduler un signal quelconque</a:t>
             </a:r>
           </a:p>
         </p:txBody>
@@ -6953,12 +6985,6 @@
               <a:t>Auto-Evaluation du travail</a:t>
             </a:r>
           </a:p>
-          <a:p>
-            <a:r>
-              <a:rPr lang="fr-FR" sz="2000" b="1" dirty="0"/>
-              <a:t>Evaluation en séances 3 et 4</a:t>
-            </a:r>
-          </a:p>
         </p:txBody>
       </p:sp>
       <p:pic>
@@ -6983,8 +7009,8 @@
         </p:blipFill>
         <p:spPr>
           <a:xfrm>
-            <a:off x="8642706" y="2172929"/>
-            <a:ext cx="3080854" cy="4340941"/>
+            <a:off x="1115567" y="2880662"/>
+            <a:ext cx="2083920" cy="2936255"/>
           </a:xfrm>
           <a:prstGeom prst="rect">
             <a:avLst/>
@@ -7005,8 +7031,8 @@
         </p:nvSpPr>
         <p:spPr>
           <a:xfrm>
-            <a:off x="3885903" y="3467576"/>
-            <a:ext cx="1986468" cy="492443"/>
+            <a:off x="4561181" y="4668160"/>
+            <a:ext cx="2459052" cy="677108"/>
           </a:xfrm>
           <a:prstGeom prst="rect">
             <a:avLst/>
@@ -7048,13 +7074,13 @@
               </a:tabLst>
             </a:pPr>
             <a:r>
-              <a:rPr lang="fr-FR" sz="2000" b="0" strike="noStrike" spc="-1" dirty="0">
+              <a:rPr lang="fr-FR" sz="1600" b="0" strike="noStrike" spc="-1" dirty="0">
                 <a:solidFill>
                   <a:schemeClr val="tx2"/>
                 </a:solidFill>
                 <a:latin typeface="Arial"/>
               </a:rPr>
-              <a:t>Code</a:t>
+              <a:t>Mise en œuvre numérique</a:t>
             </a:r>
           </a:p>
         </p:txBody>
@@ -7073,8 +7099,8 @@
         </p:nvSpPr>
         <p:spPr>
           <a:xfrm>
-            <a:off x="6199632" y="3467576"/>
-            <a:ext cx="1986468" cy="492443"/>
+            <a:off x="4561181" y="5465697"/>
+            <a:ext cx="2459052" cy="430887"/>
           </a:xfrm>
           <a:prstGeom prst="rect">
             <a:avLst/>
@@ -7116,13 +7142,13 @@
               </a:tabLst>
             </a:pPr>
             <a:r>
-              <a:rPr lang="fr-FR" sz="2000" b="0" strike="noStrike" spc="-1" dirty="0">
+              <a:rPr lang="fr-FR" sz="1600" b="0" strike="noStrike" spc="-1" dirty="0">
                 <a:solidFill>
                   <a:schemeClr val="tx2"/>
                 </a:solidFill>
                 <a:latin typeface="Arial"/>
               </a:rPr>
-              <a:t>Physique</a:t>
+              <a:t>Lien avec la physique</a:t>
             </a:r>
           </a:p>
         </p:txBody>
@@ -7141,8 +7167,8 @@
         </p:nvSpPr>
         <p:spPr>
           <a:xfrm>
-            <a:off x="1572174" y="3467576"/>
-            <a:ext cx="1986468" cy="492443"/>
+            <a:off x="4561181" y="4116844"/>
+            <a:ext cx="2459052" cy="430887"/>
           </a:xfrm>
           <a:prstGeom prst="rect">
             <a:avLst/>
@@ -7184,14 +7210,90 @@
               </a:tabLst>
             </a:pPr>
             <a:r>
-              <a:rPr lang="fr-FR" sz="2000" b="0" strike="noStrike" spc="-1" dirty="0">
+              <a:rPr lang="fr-FR" sz="1600" b="0" strike="noStrike" spc="-1" dirty="0">
                 <a:solidFill>
                   <a:schemeClr val="tx2"/>
                 </a:solidFill>
                 <a:latin typeface="Arial"/>
               </a:rPr>
-              <a:t>Analyse</a:t>
-            </a:r>
+              <a:t>Analyse du sujet</a:t>
+            </a:r>
+          </a:p>
+        </p:txBody>
+      </p:sp>
+      <p:pic>
+        <p:nvPicPr>
+          <p:cNvPr id="4" name="Image 3">
+            <a:extLst>
+              <a:ext uri="{FF2B5EF4-FFF2-40B4-BE49-F238E27FC236}">
+                <a16:creationId xmlns:a16="http://schemas.microsoft.com/office/drawing/2014/main" id="{BE59BF61-868F-680B-D99E-12024514E70F}"/>
+              </a:ext>
+            </a:extLst>
+          </p:cNvPr>
+          <p:cNvPicPr>
+            <a:picLocks noChangeAspect="1"/>
+          </p:cNvPicPr>
+          <p:nvPr/>
+        </p:nvPicPr>
+        <p:blipFill>
+          <a:blip r:embed="rId4"/>
+          <a:stretch>
+            <a:fillRect/>
+          </a:stretch>
+        </p:blipFill>
+        <p:spPr>
+          <a:xfrm>
+            <a:off x="8146661" y="2123636"/>
+            <a:ext cx="3553726" cy="4722074"/>
+          </a:xfrm>
+          <a:prstGeom prst="rect">
+            <a:avLst/>
+          </a:prstGeom>
+        </p:spPr>
+      </p:pic>
+      <p:sp>
+        <p:nvSpPr>
+          <p:cNvPr id="8" name="ZoneTexte 7">
+            <a:extLst>
+              <a:ext uri="{FF2B5EF4-FFF2-40B4-BE49-F238E27FC236}">
+                <a16:creationId xmlns:a16="http://schemas.microsoft.com/office/drawing/2014/main" id="{2F8DDC0A-7585-8CBE-9ED2-C787845E64C5}"/>
+              </a:ext>
+            </a:extLst>
+          </p:cNvPr>
+          <p:cNvSpPr txBox="1"/>
+          <p:nvPr/>
+        </p:nvSpPr>
+        <p:spPr>
+          <a:xfrm>
+            <a:off x="3471145" y="3242212"/>
+            <a:ext cx="6096000" cy="707886"/>
+          </a:xfrm>
+          <a:prstGeom prst="rect">
+            <a:avLst/>
+          </a:prstGeom>
+          <a:noFill/>
+        </p:spPr>
+        <p:txBody>
+          <a:bodyPr wrap="square">
+            <a:spAutoFit/>
+          </a:bodyPr>
+          <a:lstStyle/>
+          <a:p>
+            <a:pPr marL="342900" indent="-342900">
+              <a:buFont typeface="Arial" panose="020B0604020202020204" pitchFamily="34" charset="0"/>
+              <a:buChar char="•"/>
+            </a:pPr>
+            <a:r>
+              <a:rPr lang="fr-FR" sz="2000" b="1" dirty="0"/>
+              <a:t>Evaluation en séances 3 et 4</a:t>
+            </a:r>
+          </a:p>
+          <a:p>
+            <a:pPr marL="342900" indent="-342900">
+              <a:buFontTx/>
+              <a:buChar char="-"/>
+            </a:pPr>
+            <a:endParaRPr lang="fr-FR" sz="2000" b="1" dirty="0"/>
           </a:p>
         </p:txBody>
       </p:sp>
